--- a/Documentation/Progress Report 2/End Semester Presentation.pptx
+++ b/Documentation/Progress Report 2/End Semester Presentation.pptx
@@ -126,17 +126,7 @@
   <c:chart>
     <c:autoTitleDeleted val="0"/>
     <c:plotArea>
-      <c:layout>
-        <c:manualLayout>
-          <c:layoutTarget val="inner"/>
-          <c:xMode val="edge"/>
-          <c:yMode val="edge"/>
-          <c:x val="8.607174103237096E-2"/>
-          <c:y val="9.2452859199351159E-2"/>
-          <c:w val="0.64750074065844532"/>
-          <c:h val="0.78518766949258401"/>
-        </c:manualLayout>
-      </c:layout>
+      <c:layout/>
       <c:barChart>
         <c:barDir val="col"/>
         <c:grouping val="stacked"/>
@@ -145,12 +135,20 @@
           <c:idx val="0"/>
           <c:order val="0"/>
           <c:tx>
-            <c:v>Passed</c:v>
+            <c:strRef>
+              <c:f>[Book1]Sheet1!$A$2</c:f>
+              <c:strCache>
+                <c:ptCount val="1"/>
+                <c:pt idx="0">
+                  <c:v>Pass</c:v>
+                </c:pt>
+              </c:strCache>
+            </c:strRef>
           </c:tx>
           <c:invertIfNegative val="0"/>
           <c:cat>
             <c:strRef>
-              <c:f>Sheet1!$B$1:$C$1</c:f>
+              <c:f>[Book1]Sheet1!$B$1:$C$1</c:f>
               <c:strCache>
                 <c:ptCount val="2"/>
                 <c:pt idx="0">
@@ -164,15 +162,15 @@
           </c:cat>
           <c:val>
             <c:numRef>
-              <c:f>Sheet1!$B$2:$C$2</c:f>
+              <c:f>[Book1]Sheet1!$B$2:$C$2</c:f>
               <c:numCache>
                 <c:formatCode>General</c:formatCode>
                 <c:ptCount val="2"/>
                 <c:pt idx="0">
-                  <c:v>98</c:v>
+                  <c:v>556</c:v>
                 </c:pt>
                 <c:pt idx="1">
-                  <c:v>10</c:v>
+                  <c:v>70</c:v>
                 </c:pt>
               </c:numCache>
             </c:numRef>
@@ -182,12 +180,20 @@
           <c:idx val="1"/>
           <c:order val="1"/>
           <c:tx>
-            <c:v>Failed</c:v>
+            <c:strRef>
+              <c:f>[Book1]Sheet1!$A$3</c:f>
+              <c:strCache>
+                <c:ptCount val="1"/>
+                <c:pt idx="0">
+                  <c:v>Fail</c:v>
+                </c:pt>
+              </c:strCache>
+            </c:strRef>
           </c:tx>
           <c:invertIfNegative val="0"/>
           <c:cat>
             <c:strRef>
-              <c:f>Sheet1!$B$1:$C$1</c:f>
+              <c:f>[Book1]Sheet1!$B$1:$C$1</c:f>
               <c:strCache>
                 <c:ptCount val="2"/>
                 <c:pt idx="0">
@@ -201,15 +207,15 @@
           </c:cat>
           <c:val>
             <c:numRef>
-              <c:f>Sheet1!$B$3:$C$3</c:f>
+              <c:f>[Book1]Sheet1!$B$3:$C$3</c:f>
               <c:numCache>
                 <c:formatCode>General</c:formatCode>
                 <c:ptCount val="2"/>
                 <c:pt idx="0">
-                  <c:v>6</c:v>
+                  <c:v>7</c:v>
                 </c:pt>
                 <c:pt idx="1">
-                  <c:v>1</c:v>
+                  <c:v>4</c:v>
                 </c:pt>
               </c:numCache>
             </c:numRef>
@@ -225,11 +231,11 @@
         </c:dLbls>
         <c:gapWidth val="150"/>
         <c:overlap val="100"/>
-        <c:axId val="109812736"/>
-        <c:axId val="77689600"/>
+        <c:axId val="32206208"/>
+        <c:axId val="32507392"/>
       </c:barChart>
       <c:catAx>
-        <c:axId val="109812736"/>
+        <c:axId val="32206208"/>
         <c:scaling>
           <c:orientation val="minMax"/>
         </c:scaling>
@@ -238,7 +244,7 @@
         <c:majorTickMark val="out"/>
         <c:minorTickMark val="none"/>
         <c:tickLblPos val="nextTo"/>
-        <c:crossAx val="77689600"/>
+        <c:crossAx val="32507392"/>
         <c:crosses val="autoZero"/>
         <c:auto val="1"/>
         <c:lblAlgn val="ctr"/>
@@ -246,7 +252,7 @@
         <c:noMultiLvlLbl val="0"/>
       </c:catAx>
       <c:valAx>
-        <c:axId val="77689600"/>
+        <c:axId val="32507392"/>
         <c:scaling>
           <c:orientation val="minMax"/>
         </c:scaling>
@@ -257,53 +263,181 @@
         <c:majorTickMark val="out"/>
         <c:minorTickMark val="none"/>
         <c:tickLblPos val="nextTo"/>
-        <c:crossAx val="109812736"/>
+        <c:crossAx val="32206208"/>
         <c:crosses val="autoZero"/>
         <c:crossBetween val="between"/>
       </c:valAx>
     </c:plotArea>
     <c:legend>
       <c:legendPos val="r"/>
-      <c:legendEntry>
-        <c:idx val="0"/>
-        <c:txPr>
-          <a:bodyPr/>
-          <a:lstStyle/>
-          <a:p>
-            <a:pPr>
-              <a:defRPr sz="1800"/>
-            </a:pPr>
-            <a:endParaRPr lang="en-US"/>
-          </a:p>
-        </c:txPr>
-      </c:legendEntry>
-      <c:legendEntry>
-        <c:idx val="1"/>
-        <c:txPr>
-          <a:bodyPr/>
-          <a:lstStyle/>
-          <a:p>
-            <a:pPr>
-              <a:defRPr sz="1800"/>
-            </a:pPr>
-            <a:endParaRPr lang="en-US"/>
-          </a:p>
-        </c:txPr>
-      </c:legendEntry>
-      <c:layout>
-        <c:manualLayout>
-          <c:xMode val="edge"/>
-          <c:yMode val="edge"/>
-          <c:x val="0.74916027848757538"/>
-          <c:y val="0.41116859064514782"/>
-          <c:w val="0.23031653890308482"/>
-          <c:h val="0.25626202003041854"/>
-        </c:manualLayout>
-      </c:layout>
+      <c:layout/>
       <c:overlay val="0"/>
+      <c:txPr>
+        <a:bodyPr/>
+        <a:lstStyle/>
+        <a:p>
+          <a:pPr>
+            <a:defRPr sz="1600"/>
+          </a:pPr>
+          <a:endParaRPr lang="en-US"/>
+        </a:p>
+      </c:txPr>
     </c:legend>
     <c:plotVisOnly val="1"/>
     <c:dispBlanksAs val="gap"/>
+    <c:showDLblsOverMax val="0"/>
+  </c:chart>
+  <c:externalData r:id="rId1">
+    <c:autoUpdate val="0"/>
+  </c:externalData>
+</c:chartSpace>
+</file>
+
+<file path=ppt/charts/chart2.xml><?xml version="1.0" encoding="utf-8"?>
+<c:chartSpace xmlns:c="http://schemas.openxmlformats.org/drawingml/2006/chart" xmlns:a="http://schemas.openxmlformats.org/drawingml/2006/main" xmlns:r="http://schemas.openxmlformats.org/officeDocument/2006/relationships">
+  <c:date1904 val="0"/>
+  <c:lang val="en-AU"/>
+  <c:roundedCorners val="0"/>
+  <mc:AlternateContent xmlns:mc="http://schemas.openxmlformats.org/markup-compatibility/2006">
+    <mc:Choice xmlns:c14="http://schemas.microsoft.com/office/drawing/2007/8/2/chart" Requires="c14">
+      <c14:style val="102"/>
+    </mc:Choice>
+    <mc:Fallback>
+      <c:style val="2"/>
+    </mc:Fallback>
+  </mc:AlternateContent>
+  <c:chart>
+    <c:title>
+      <c:tx>
+        <c:rich>
+          <a:bodyPr/>
+          <a:lstStyle/>
+          <a:p>
+            <a:pPr>
+              <a:defRPr/>
+            </a:pPr>
+            <a:r>
+              <a:rPr lang="en-AU"/>
+              <a:t>Story</a:t>
+            </a:r>
+            <a:r>
+              <a:rPr lang="en-AU" baseline="0"/>
+              <a:t> Points</a:t>
+            </a:r>
+            <a:endParaRPr lang="en-AU"/>
+          </a:p>
+        </c:rich>
+      </c:tx>
+      <c:layout/>
+      <c:overlay val="0"/>
+    </c:title>
+    <c:autoTitleDeleted val="0"/>
+    <c:plotArea>
+      <c:layout/>
+      <c:lineChart>
+        <c:grouping val="stacked"/>
+        <c:varyColors val="0"/>
+        <c:ser>
+          <c:idx val="0"/>
+          <c:order val="0"/>
+          <c:cat>
+            <c:strRef>
+              <c:f>Sheet1!$A$5:$A$9</c:f>
+              <c:strCache>
+                <c:ptCount val="5"/>
+                <c:pt idx="0">
+                  <c:v>Total</c:v>
+                </c:pt>
+                <c:pt idx="1">
+                  <c:v>Iteration 1</c:v>
+                </c:pt>
+                <c:pt idx="2">
+                  <c:v>Iteration 2</c:v>
+                </c:pt>
+                <c:pt idx="3">
+                  <c:v>Iteration 3</c:v>
+                </c:pt>
+                <c:pt idx="4">
+                  <c:v>Iteration 4</c:v>
+                </c:pt>
+              </c:strCache>
+            </c:strRef>
+          </c:cat>
+          <c:val>
+            <c:numRef>
+              <c:f>Sheet1!$B$5:$B$9</c:f>
+              <c:numCache>
+                <c:formatCode>General</c:formatCode>
+                <c:ptCount val="5"/>
+                <c:pt idx="0">
+                  <c:v>86</c:v>
+                </c:pt>
+                <c:pt idx="1">
+                  <c:v>68</c:v>
+                </c:pt>
+                <c:pt idx="2">
+                  <c:v>45</c:v>
+                </c:pt>
+                <c:pt idx="3">
+                  <c:v>23</c:v>
+                </c:pt>
+                <c:pt idx="4">
+                  <c:v>17</c:v>
+                </c:pt>
+              </c:numCache>
+            </c:numRef>
+          </c:val>
+          <c:smooth val="0"/>
+        </c:ser>
+        <c:dLbls>
+          <c:showLegendKey val="0"/>
+          <c:showVal val="0"/>
+          <c:showCatName val="0"/>
+          <c:showSerName val="0"/>
+          <c:showPercent val="0"/>
+          <c:showBubbleSize val="0"/>
+        </c:dLbls>
+        <c:marker val="1"/>
+        <c:smooth val="0"/>
+        <c:axId val="79421440"/>
+        <c:axId val="32196096"/>
+      </c:lineChart>
+      <c:catAx>
+        <c:axId val="79421440"/>
+        <c:scaling>
+          <c:orientation val="minMax"/>
+        </c:scaling>
+        <c:delete val="0"/>
+        <c:axPos val="b"/>
+        <c:majorTickMark val="none"/>
+        <c:minorTickMark val="none"/>
+        <c:tickLblPos val="nextTo"/>
+        <c:crossAx val="32196096"/>
+        <c:crosses val="autoZero"/>
+        <c:auto val="1"/>
+        <c:lblAlgn val="ctr"/>
+        <c:lblOffset val="100"/>
+        <c:noMultiLvlLbl val="0"/>
+      </c:catAx>
+      <c:valAx>
+        <c:axId val="32196096"/>
+        <c:scaling>
+          <c:orientation val="minMax"/>
+        </c:scaling>
+        <c:delete val="0"/>
+        <c:axPos val="l"/>
+        <c:majorGridlines/>
+        <c:numFmt formatCode="General" sourceLinked="1"/>
+        <c:majorTickMark val="none"/>
+        <c:minorTickMark val="none"/>
+        <c:tickLblPos val="nextTo"/>
+        <c:crossAx val="79421440"/>
+        <c:crosses val="autoZero"/>
+        <c:crossBetween val="between"/>
+      </c:valAx>
+    </c:plotArea>
+    <c:plotVisOnly val="1"/>
+    <c:dispBlanksAs val="zero"/>
     <c:showDLblsOverMax val="0"/>
   </c:chart>
   <c:externalData r:id="rId1">
@@ -493,7 +627,7 @@
           <a:p>
             <a:fld id="{BF8294A0-078D-4B00-A0BE-6B4F50D91E28}" type="datetimeFigureOut">
               <a:rPr lang="en-AU" smtClean="0"/>
-              <a:t>11/10/2012</a:t>
+              <a:t>15/10/2012</a:t>
             </a:fld>
             <a:endParaRPr lang="en-AU"/>
           </a:p>
@@ -663,7 +797,7 @@
           <a:p>
             <a:fld id="{BF8294A0-078D-4B00-A0BE-6B4F50D91E28}" type="datetimeFigureOut">
               <a:rPr lang="en-AU" smtClean="0"/>
-              <a:t>11/10/2012</a:t>
+              <a:t>15/10/2012</a:t>
             </a:fld>
             <a:endParaRPr lang="en-AU"/>
           </a:p>
@@ -843,7 +977,7 @@
           <a:p>
             <a:fld id="{BF8294A0-078D-4B00-A0BE-6B4F50D91E28}" type="datetimeFigureOut">
               <a:rPr lang="en-AU" smtClean="0"/>
-              <a:t>11/10/2012</a:t>
+              <a:t>15/10/2012</a:t>
             </a:fld>
             <a:endParaRPr lang="en-AU"/>
           </a:p>
@@ -1013,7 +1147,7 @@
           <a:p>
             <a:fld id="{BF8294A0-078D-4B00-A0BE-6B4F50D91E28}" type="datetimeFigureOut">
               <a:rPr lang="en-AU" smtClean="0"/>
-              <a:t>11/10/2012</a:t>
+              <a:t>15/10/2012</a:t>
             </a:fld>
             <a:endParaRPr lang="en-AU"/>
           </a:p>
@@ -1259,7 +1393,7 @@
           <a:p>
             <a:fld id="{BF8294A0-078D-4B00-A0BE-6B4F50D91E28}" type="datetimeFigureOut">
               <a:rPr lang="en-AU" smtClean="0"/>
-              <a:t>11/10/2012</a:t>
+              <a:t>15/10/2012</a:t>
             </a:fld>
             <a:endParaRPr lang="en-AU"/>
           </a:p>
@@ -1547,7 +1681,7 @@
           <a:p>
             <a:fld id="{BF8294A0-078D-4B00-A0BE-6B4F50D91E28}" type="datetimeFigureOut">
               <a:rPr lang="en-AU" smtClean="0"/>
-              <a:t>11/10/2012</a:t>
+              <a:t>15/10/2012</a:t>
             </a:fld>
             <a:endParaRPr lang="en-AU"/>
           </a:p>
@@ -1969,7 +2103,7 @@
           <a:p>
             <a:fld id="{BF8294A0-078D-4B00-A0BE-6B4F50D91E28}" type="datetimeFigureOut">
               <a:rPr lang="en-AU" smtClean="0"/>
-              <a:t>11/10/2012</a:t>
+              <a:t>15/10/2012</a:t>
             </a:fld>
             <a:endParaRPr lang="en-AU"/>
           </a:p>
@@ -2087,7 +2221,7 @@
           <a:p>
             <a:fld id="{BF8294A0-078D-4B00-A0BE-6B4F50D91E28}" type="datetimeFigureOut">
               <a:rPr lang="en-AU" smtClean="0"/>
-              <a:t>11/10/2012</a:t>
+              <a:t>15/10/2012</a:t>
             </a:fld>
             <a:endParaRPr lang="en-AU"/>
           </a:p>
@@ -2182,7 +2316,7 @@
           <a:p>
             <a:fld id="{BF8294A0-078D-4B00-A0BE-6B4F50D91E28}" type="datetimeFigureOut">
               <a:rPr lang="en-AU" smtClean="0"/>
-              <a:t>11/10/2012</a:t>
+              <a:t>15/10/2012</a:t>
             </a:fld>
             <a:endParaRPr lang="en-AU"/>
           </a:p>
@@ -2459,7 +2593,7 @@
           <a:p>
             <a:fld id="{BF8294A0-078D-4B00-A0BE-6B4F50D91E28}" type="datetimeFigureOut">
               <a:rPr lang="en-AU" smtClean="0"/>
-              <a:t>11/10/2012</a:t>
+              <a:t>15/10/2012</a:t>
             </a:fld>
             <a:endParaRPr lang="en-AU"/>
           </a:p>
@@ -2712,7 +2846,7 @@
           <a:p>
             <a:fld id="{BF8294A0-078D-4B00-A0BE-6B4F50D91E28}" type="datetimeFigureOut">
               <a:rPr lang="en-AU" smtClean="0"/>
-              <a:t>11/10/2012</a:t>
+              <a:t>15/10/2012</a:t>
             </a:fld>
             <a:endParaRPr lang="en-AU"/>
           </a:p>
@@ -2925,7 +3059,7 @@
           <a:p>
             <a:fld id="{BF8294A0-078D-4B00-A0BE-6B4F50D91E28}" type="datetimeFigureOut">
               <a:rPr lang="en-AU" smtClean="0"/>
-              <a:t>11/10/2012</a:t>
+              <a:t>15/10/2012</a:t>
             </a:fld>
             <a:endParaRPr lang="en-AU"/>
           </a:p>
@@ -3549,33 +3683,15 @@
           <a:p>
             <a:r>
               <a:rPr lang="en-AU" dirty="0" smtClean="0"/>
-              <a:t>Release </a:t>
-            </a:r>
+              <a:t>Release 2 Focus – Android Application</a:t>
+            </a:r>
+          </a:p>
+          <a:p>
+            <a:pPr lvl="1"/>
             <a:r>
               <a:rPr lang="en-AU" dirty="0" smtClean="0"/>
-              <a:t>2 </a:t>
-            </a:r>
-            <a:r>
-              <a:rPr lang="en-AU" dirty="0" smtClean="0"/>
-              <a:t>Focus – </a:t>
-            </a:r>
-            <a:r>
-              <a:rPr lang="en-AU" dirty="0" smtClean="0"/>
-              <a:t>Android Application</a:t>
-            </a:r>
-            <a:endParaRPr lang="en-AU" dirty="0" smtClean="0"/>
-          </a:p>
-          <a:p>
-            <a:pPr lvl="1"/>
-            <a:r>
-              <a:rPr lang="en-AU" dirty="0" smtClean="0"/>
-              <a:t>Iteration </a:t>
-            </a:r>
-            <a:r>
-              <a:rPr lang="en-AU" dirty="0" smtClean="0"/>
-              <a:t>3</a:t>
-            </a:r>
-            <a:endParaRPr lang="en-AU" dirty="0" smtClean="0"/>
+              <a:t>Iteration 3</a:t>
+            </a:r>
           </a:p>
           <a:p>
             <a:pPr lvl="2"/>
@@ -3583,19 +3699,13 @@
               <a:rPr lang="en-AU" dirty="0" smtClean="0"/>
               <a:t>Android and Desktop Refinement</a:t>
             </a:r>
-            <a:endParaRPr lang="en-AU" dirty="0" smtClean="0"/>
           </a:p>
           <a:p>
             <a:pPr lvl="1"/>
             <a:r>
               <a:rPr lang="en-AU" dirty="0" smtClean="0"/>
-              <a:t>Iteration </a:t>
-            </a:r>
-            <a:r>
-              <a:rPr lang="en-AU" dirty="0" smtClean="0"/>
-              <a:t>4</a:t>
-            </a:r>
-            <a:endParaRPr lang="en-AU" dirty="0" smtClean="0"/>
+              <a:t>Iteration 4</a:t>
+            </a:r>
           </a:p>
           <a:p>
             <a:pPr lvl="2"/>
@@ -3603,7 +3713,6 @@
               <a:rPr lang="en-AU" dirty="0" smtClean="0"/>
               <a:t>Report printing</a:t>
             </a:r>
-            <a:endParaRPr lang="en-AU" dirty="0" smtClean="0"/>
           </a:p>
           <a:p>
             <a:pPr lvl="2"/>
@@ -3611,7 +3720,6 @@
               <a:rPr lang="en-AU" dirty="0" smtClean="0"/>
               <a:t>Technical Refinement</a:t>
             </a:r>
-            <a:endParaRPr lang="en-AU" dirty="0" smtClean="0"/>
           </a:p>
           <a:p>
             <a:r>
@@ -3625,7 +3733,6 @@
               <a:rPr lang="en-AU" dirty="0" smtClean="0"/>
               <a:t>Creating a second client application</a:t>
             </a:r>
-            <a:endParaRPr lang="en-AU" dirty="0" smtClean="0"/>
           </a:p>
           <a:p>
             <a:pPr lvl="1"/>
@@ -3633,7 +3740,6 @@
               <a:rPr lang="en-AU" dirty="0" smtClean="0"/>
               <a:t>Refining all previous functionality</a:t>
             </a:r>
-            <a:endParaRPr lang="en-AU" dirty="0" smtClean="0"/>
           </a:p>
           <a:p>
             <a:pPr lvl="1"/>
@@ -3705,30 +3811,6 @@
           </a:p>
         </p:txBody>
       </p:sp>
-      <p:graphicFrame>
-        <p:nvGraphicFramePr>
-          <p:cNvPr id="5" name="Chart 4"/>
-          <p:cNvGraphicFramePr>
-            <a:graphicFrameLocks/>
-          </p:cNvGraphicFramePr>
-          <p:nvPr>
-            <p:extLst>
-              <p:ext uri="{D42A27DB-BD31-4B8C-83A1-F6EECF244321}">
-                <p14:modId xmlns:p14="http://schemas.microsoft.com/office/powerpoint/2010/main" val="2560319932"/>
-              </p:ext>
-            </p:extLst>
-          </p:nvPr>
-        </p:nvGraphicFramePr>
-        <p:xfrm>
-          <a:off x="4644008" y="3645024"/>
-          <a:ext cx="4320480" cy="2592288"/>
-        </p:xfrm>
-        <a:graphic>
-          <a:graphicData uri="http://schemas.openxmlformats.org/drawingml/2006/chart">
-            <c:chart xmlns:c="http://schemas.openxmlformats.org/drawingml/2006/chart" xmlns:r="http://schemas.openxmlformats.org/officeDocument/2006/relationships" r:id="rId2"/>
-          </a:graphicData>
-        </a:graphic>
-      </p:graphicFrame>
       <p:sp>
         <p:nvSpPr>
           <p:cNvPr id="4" name="Rounded Rectangle 3"/>
@@ -3773,6 +3855,54 @@
           </a:p>
         </p:txBody>
       </p:sp>
+      <p:graphicFrame>
+        <p:nvGraphicFramePr>
+          <p:cNvPr id="6" name="Chart 5"/>
+          <p:cNvGraphicFramePr>
+            <a:graphicFrameLocks/>
+          </p:cNvGraphicFramePr>
+          <p:nvPr>
+            <p:extLst>
+              <p:ext uri="{D42A27DB-BD31-4B8C-83A1-F6EECF244321}">
+                <p14:modId xmlns:p14="http://schemas.microsoft.com/office/powerpoint/2010/main" val="3686472529"/>
+              </p:ext>
+            </p:extLst>
+          </p:nvPr>
+        </p:nvGraphicFramePr>
+        <p:xfrm>
+          <a:off x="5004048" y="3717032"/>
+          <a:ext cx="3942184" cy="2743200"/>
+        </p:xfrm>
+        <a:graphic>
+          <a:graphicData uri="http://schemas.openxmlformats.org/drawingml/2006/chart">
+            <c:chart xmlns:c="http://schemas.openxmlformats.org/drawingml/2006/chart" xmlns:r="http://schemas.openxmlformats.org/officeDocument/2006/relationships" r:id="rId2"/>
+          </a:graphicData>
+        </a:graphic>
+      </p:graphicFrame>
+      <p:graphicFrame>
+        <p:nvGraphicFramePr>
+          <p:cNvPr id="7" name="Chart 6"/>
+          <p:cNvGraphicFramePr>
+            <a:graphicFrameLocks/>
+          </p:cNvGraphicFramePr>
+          <p:nvPr>
+            <p:extLst>
+              <p:ext uri="{D42A27DB-BD31-4B8C-83A1-F6EECF244321}">
+                <p14:modId xmlns:p14="http://schemas.microsoft.com/office/powerpoint/2010/main" val="2259990974"/>
+              </p:ext>
+            </p:extLst>
+          </p:nvPr>
+        </p:nvGraphicFramePr>
+        <p:xfrm>
+          <a:off x="179512" y="1844824"/>
+          <a:ext cx="4572000" cy="4392488"/>
+        </p:xfrm>
+        <a:graphic>
+          <a:graphicData uri="http://schemas.openxmlformats.org/drawingml/2006/chart">
+            <c:chart xmlns:c="http://schemas.openxmlformats.org/drawingml/2006/chart" xmlns:r="http://schemas.openxmlformats.org/officeDocument/2006/relationships" r:id="rId3"/>
+          </a:graphicData>
+        </a:graphic>
+      </p:graphicFrame>
     </p:spTree>
     <p:extLst>
       <p:ext uri="{BB962C8B-B14F-4D97-AF65-F5344CB8AC3E}">
@@ -3868,7 +3998,6 @@
               <a:rPr lang="en-AU" dirty="0" smtClean="0"/>
               <a:t>Different people writing tests and code </a:t>
             </a:r>
-            <a:endParaRPr lang="en-AU" dirty="0" smtClean="0"/>
           </a:p>
           <a:p>
             <a:r>
@@ -3889,16 +4018,11 @@
               <a:rPr lang="en-AU" dirty="0" smtClean="0"/>
               <a:t>TDD on Android</a:t>
             </a:r>
-            <a:endParaRPr lang="en-AU" dirty="0" smtClean="0"/>
           </a:p>
           <a:p>
             <a:r>
               <a:rPr lang="en-AU" dirty="0" smtClean="0"/>
-              <a:t>Team </a:t>
-            </a:r>
-            <a:r>
-              <a:rPr lang="en-AU" dirty="0" smtClean="0"/>
-              <a:t>Issues</a:t>
+              <a:t>Team Issues</a:t>
             </a:r>
           </a:p>
           <a:p>
@@ -3913,7 +4037,6 @@
               <a:rPr lang="en-AU" dirty="0" smtClean="0"/>
               <a:t>Risks</a:t>
             </a:r>
-            <a:endParaRPr lang="en-AU" dirty="0" smtClean="0"/>
           </a:p>
           <a:p>
             <a:pPr lvl="1"/>
@@ -3921,7 +4044,6 @@
               <a:rPr lang="en-AU" dirty="0" smtClean="0"/>
               <a:t>Started android development early in case of unforseen setbacks with new technology</a:t>
             </a:r>
-            <a:endParaRPr lang="en-AU" dirty="0" smtClean="0"/>
           </a:p>
           <a:p>
             <a:pPr lvl="1"/>
